--- a/Hackathon_Tinkoff/tinkoff_hachathon.pptx
+++ b/Hackathon_Tinkoff/tinkoff_hachathon.pptx
@@ -306,7 +306,7 @@
           <a:p>
             <a:fld id="{2E4BA0C9-5A29-4020-9ED7-444897A61579}" type="datetimeFigureOut">
               <a:rPr lang="ru-RU" smtClean="0"/>
-              <a:t>24.04.2024</a:t>
+              <a:t>25.04.2024</a:t>
             </a:fld>
             <a:endParaRPr lang="ru-RU"/>
           </a:p>
@@ -376,13 +376,13 @@
   <p:clrMapOvr>
     <a:masterClrMapping/>
   </p:clrMapOvr>
-  <mc:AlternateContent xmlns:mc="http://schemas.openxmlformats.org/markup-compatibility/2006">
-    <mc:Choice xmlns:p159="http://schemas.microsoft.com/office/powerpoint/2015/09/main" Requires="p159">
+  <mc:AlternateContent xmlns:mc="http://schemas.openxmlformats.org/markup-compatibility/2006" xmlns:p159="http://schemas.microsoft.com/office/powerpoint/2015/09/main">
+    <mc:Choice Requires="p159">
       <p:transition spd="med">
         <p159:morph option="byObject"/>
       </p:transition>
     </mc:Choice>
-    <mc:Fallback>
+    <mc:Fallback xmlns="">
       <p:transition spd="med">
         <p:fade/>
       </p:transition>
@@ -516,7 +516,7 @@
           <a:p>
             <a:fld id="{2E4BA0C9-5A29-4020-9ED7-444897A61579}" type="datetimeFigureOut">
               <a:rPr lang="ru-RU" smtClean="0"/>
-              <a:t>24.04.2024</a:t>
+              <a:t>25.04.2024</a:t>
             </a:fld>
             <a:endParaRPr lang="ru-RU"/>
           </a:p>
@@ -586,13 +586,13 @@
   <p:clrMapOvr>
     <a:masterClrMapping/>
   </p:clrMapOvr>
-  <mc:AlternateContent xmlns:mc="http://schemas.openxmlformats.org/markup-compatibility/2006">
-    <mc:Choice xmlns:p159="http://schemas.microsoft.com/office/powerpoint/2015/09/main" Requires="p159">
+  <mc:AlternateContent xmlns:mc="http://schemas.openxmlformats.org/markup-compatibility/2006" xmlns:p159="http://schemas.microsoft.com/office/powerpoint/2015/09/main">
+    <mc:Choice Requires="p159">
       <p:transition spd="med">
         <p159:morph option="byObject"/>
       </p:transition>
     </mc:Choice>
-    <mc:Fallback>
+    <mc:Fallback xmlns="">
       <p:transition spd="med">
         <p:fade/>
       </p:transition>
@@ -736,7 +736,7 @@
           <a:p>
             <a:fld id="{2E4BA0C9-5A29-4020-9ED7-444897A61579}" type="datetimeFigureOut">
               <a:rPr lang="ru-RU" smtClean="0"/>
-              <a:t>24.04.2024</a:t>
+              <a:t>25.04.2024</a:t>
             </a:fld>
             <a:endParaRPr lang="ru-RU"/>
           </a:p>
@@ -806,13 +806,13 @@
   <p:clrMapOvr>
     <a:masterClrMapping/>
   </p:clrMapOvr>
-  <mc:AlternateContent xmlns:mc="http://schemas.openxmlformats.org/markup-compatibility/2006">
-    <mc:Choice xmlns:p159="http://schemas.microsoft.com/office/powerpoint/2015/09/main" Requires="p159">
+  <mc:AlternateContent xmlns:mc="http://schemas.openxmlformats.org/markup-compatibility/2006" xmlns:p159="http://schemas.microsoft.com/office/powerpoint/2015/09/main">
+    <mc:Choice Requires="p159">
       <p:transition spd="med">
         <p159:morph option="byObject"/>
       </p:transition>
     </mc:Choice>
-    <mc:Fallback>
+    <mc:Fallback xmlns="">
       <p:transition spd="med">
         <p:fade/>
       </p:transition>
@@ -1105,13 +1105,13 @@
   <p:clrMapOvr>
     <a:masterClrMapping/>
   </p:clrMapOvr>
-  <mc:AlternateContent xmlns:mc="http://schemas.openxmlformats.org/markup-compatibility/2006">
-    <mc:Choice xmlns:p159="http://schemas.microsoft.com/office/powerpoint/2015/09/main" Requires="p159">
+  <mc:AlternateContent xmlns:mc="http://schemas.openxmlformats.org/markup-compatibility/2006" xmlns:p159="http://schemas.microsoft.com/office/powerpoint/2015/09/main">
+    <mc:Choice Requires="p159">
       <p:transition spd="med">
         <p159:morph option="byObject"/>
       </p:transition>
     </mc:Choice>
-    <mc:Fallback>
+    <mc:Fallback xmlns="">
       <p:transition spd="med">
         <p:fade/>
       </p:transition>
@@ -1245,7 +1245,7 @@
           <a:p>
             <a:fld id="{2E4BA0C9-5A29-4020-9ED7-444897A61579}" type="datetimeFigureOut">
               <a:rPr lang="ru-RU" smtClean="0"/>
-              <a:t>24.04.2024</a:t>
+              <a:t>25.04.2024</a:t>
             </a:fld>
             <a:endParaRPr lang="ru-RU"/>
           </a:p>
@@ -1315,13 +1315,13 @@
   <p:clrMapOvr>
     <a:masterClrMapping/>
   </p:clrMapOvr>
-  <mc:AlternateContent xmlns:mc="http://schemas.openxmlformats.org/markup-compatibility/2006">
-    <mc:Choice xmlns:p159="http://schemas.microsoft.com/office/powerpoint/2015/09/main" Requires="p159">
+  <mc:AlternateContent xmlns:mc="http://schemas.openxmlformats.org/markup-compatibility/2006" xmlns:p159="http://schemas.microsoft.com/office/powerpoint/2015/09/main">
+    <mc:Choice Requires="p159">
       <p:transition spd="med">
         <p159:morph option="byObject"/>
       </p:transition>
     </mc:Choice>
-    <mc:Fallback>
+    <mc:Fallback xmlns="">
       <p:transition spd="med">
         <p:fade/>
       </p:transition>
@@ -1532,7 +1532,7 @@
           <a:p>
             <a:fld id="{2E4BA0C9-5A29-4020-9ED7-444897A61579}" type="datetimeFigureOut">
               <a:rPr lang="ru-RU" smtClean="0"/>
-              <a:t>24.04.2024</a:t>
+              <a:t>25.04.2024</a:t>
             </a:fld>
             <a:endParaRPr lang="ru-RU"/>
           </a:p>
@@ -1602,13 +1602,13 @@
   <p:clrMapOvr>
     <a:masterClrMapping/>
   </p:clrMapOvr>
-  <mc:AlternateContent xmlns:mc="http://schemas.openxmlformats.org/markup-compatibility/2006">
-    <mc:Choice xmlns:p159="http://schemas.microsoft.com/office/powerpoint/2015/09/main" Requires="p159">
+  <mc:AlternateContent xmlns:mc="http://schemas.openxmlformats.org/markup-compatibility/2006" xmlns:p159="http://schemas.microsoft.com/office/powerpoint/2015/09/main">
+    <mc:Choice Requires="p159">
       <p:transition spd="med">
         <p159:morph option="byObject"/>
       </p:transition>
     </mc:Choice>
-    <mc:Fallback>
+    <mc:Fallback xmlns="">
       <p:transition spd="med">
         <p:fade/>
       </p:transition>
@@ -1809,7 +1809,7 @@
           <a:p>
             <a:fld id="{2E4BA0C9-5A29-4020-9ED7-444897A61579}" type="datetimeFigureOut">
               <a:rPr lang="ru-RU" smtClean="0"/>
-              <a:t>24.04.2024</a:t>
+              <a:t>25.04.2024</a:t>
             </a:fld>
             <a:endParaRPr lang="ru-RU"/>
           </a:p>
@@ -1879,13 +1879,13 @@
   <p:clrMapOvr>
     <a:masterClrMapping/>
   </p:clrMapOvr>
-  <mc:AlternateContent xmlns:mc="http://schemas.openxmlformats.org/markup-compatibility/2006">
-    <mc:Choice xmlns:p159="http://schemas.microsoft.com/office/powerpoint/2015/09/main" Requires="p159">
+  <mc:AlternateContent xmlns:mc="http://schemas.openxmlformats.org/markup-compatibility/2006" xmlns:p159="http://schemas.microsoft.com/office/powerpoint/2015/09/main">
+    <mc:Choice Requires="p159">
       <p:transition spd="med">
         <p159:morph option="byObject"/>
       </p:transition>
     </mc:Choice>
-    <mc:Fallback>
+    <mc:Fallback xmlns="">
       <p:transition spd="med">
         <p:fade/>
       </p:transition>
@@ -2233,7 +2233,7 @@
           <a:p>
             <a:fld id="{2E4BA0C9-5A29-4020-9ED7-444897A61579}" type="datetimeFigureOut">
               <a:rPr lang="ru-RU" smtClean="0"/>
-              <a:t>24.04.2024</a:t>
+              <a:t>25.04.2024</a:t>
             </a:fld>
             <a:endParaRPr lang="ru-RU"/>
           </a:p>
@@ -2303,13 +2303,13 @@
   <p:clrMapOvr>
     <a:masterClrMapping/>
   </p:clrMapOvr>
-  <mc:AlternateContent xmlns:mc="http://schemas.openxmlformats.org/markup-compatibility/2006">
-    <mc:Choice xmlns:p159="http://schemas.microsoft.com/office/powerpoint/2015/09/main" Requires="p159">
+  <mc:AlternateContent xmlns:mc="http://schemas.openxmlformats.org/markup-compatibility/2006" xmlns:p159="http://schemas.microsoft.com/office/powerpoint/2015/09/main">
+    <mc:Choice Requires="p159">
       <p:transition spd="med">
         <p159:morph option="byObject"/>
       </p:transition>
     </mc:Choice>
-    <mc:Fallback>
+    <mc:Fallback xmlns="">
       <p:transition spd="med">
         <p:fade/>
       </p:transition>
@@ -2386,7 +2386,7 @@
           <a:p>
             <a:fld id="{2E4BA0C9-5A29-4020-9ED7-444897A61579}" type="datetimeFigureOut">
               <a:rPr lang="ru-RU" smtClean="0"/>
-              <a:t>24.04.2024</a:t>
+              <a:t>25.04.2024</a:t>
             </a:fld>
             <a:endParaRPr lang="ru-RU"/>
           </a:p>
@@ -2456,13 +2456,13 @@
   <p:clrMapOvr>
     <a:masterClrMapping/>
   </p:clrMapOvr>
-  <mc:AlternateContent xmlns:mc="http://schemas.openxmlformats.org/markup-compatibility/2006">
-    <mc:Choice xmlns:p159="http://schemas.microsoft.com/office/powerpoint/2015/09/main" Requires="p159">
+  <mc:AlternateContent xmlns:mc="http://schemas.openxmlformats.org/markup-compatibility/2006" xmlns:p159="http://schemas.microsoft.com/office/powerpoint/2015/09/main">
+    <mc:Choice Requires="p159">
       <p:transition spd="med">
         <p159:morph option="byObject"/>
       </p:transition>
     </mc:Choice>
-    <mc:Fallback>
+    <mc:Fallback xmlns="">
       <p:transition spd="med">
         <p:fade/>
       </p:transition>
@@ -2511,7 +2511,7 @@
           <a:p>
             <a:fld id="{2E4BA0C9-5A29-4020-9ED7-444897A61579}" type="datetimeFigureOut">
               <a:rPr lang="ru-RU" smtClean="0"/>
-              <a:t>24.04.2024</a:t>
+              <a:t>25.04.2024</a:t>
             </a:fld>
             <a:endParaRPr lang="ru-RU"/>
           </a:p>
@@ -2581,13 +2581,13 @@
   <p:clrMapOvr>
     <a:masterClrMapping/>
   </p:clrMapOvr>
-  <mc:AlternateContent xmlns:mc="http://schemas.openxmlformats.org/markup-compatibility/2006">
-    <mc:Choice xmlns:p159="http://schemas.microsoft.com/office/powerpoint/2015/09/main" Requires="p159">
+  <mc:AlternateContent xmlns:mc="http://schemas.openxmlformats.org/markup-compatibility/2006" xmlns:p159="http://schemas.microsoft.com/office/powerpoint/2015/09/main">
+    <mc:Choice Requires="p159">
       <p:transition spd="med">
         <p159:morph option="byObject"/>
       </p:transition>
     </mc:Choice>
-    <mc:Fallback>
+    <mc:Fallback xmlns="">
       <p:transition spd="med">
         <p:fade/>
       </p:transition>
@@ -2834,7 +2834,7 @@
           <a:p>
             <a:fld id="{2E4BA0C9-5A29-4020-9ED7-444897A61579}" type="datetimeFigureOut">
               <a:rPr lang="ru-RU" smtClean="0"/>
-              <a:t>24.04.2024</a:t>
+              <a:t>25.04.2024</a:t>
             </a:fld>
             <a:endParaRPr lang="ru-RU"/>
           </a:p>
@@ -2904,13 +2904,13 @@
   <p:clrMapOvr>
     <a:masterClrMapping/>
   </p:clrMapOvr>
-  <mc:AlternateContent xmlns:mc="http://schemas.openxmlformats.org/markup-compatibility/2006">
-    <mc:Choice xmlns:p159="http://schemas.microsoft.com/office/powerpoint/2015/09/main" Requires="p159">
+  <mc:AlternateContent xmlns:mc="http://schemas.openxmlformats.org/markup-compatibility/2006" xmlns:p159="http://schemas.microsoft.com/office/powerpoint/2015/09/main">
+    <mc:Choice Requires="p159">
       <p:transition spd="med">
         <p159:morph option="byObject"/>
       </p:transition>
     </mc:Choice>
-    <mc:Fallback>
+    <mc:Fallback xmlns="">
       <p:transition spd="med">
         <p:fade/>
       </p:transition>
@@ -3134,7 +3134,7 @@
           <a:p>
             <a:fld id="{2E4BA0C9-5A29-4020-9ED7-444897A61579}" type="datetimeFigureOut">
               <a:rPr lang="ru-RU" smtClean="0"/>
-              <a:t>24.04.2024</a:t>
+              <a:t>25.04.2024</a:t>
             </a:fld>
             <a:endParaRPr lang="ru-RU"/>
           </a:p>
@@ -3204,13 +3204,13 @@
   <p:clrMapOvr>
     <a:masterClrMapping/>
   </p:clrMapOvr>
-  <mc:AlternateContent xmlns:mc="http://schemas.openxmlformats.org/markup-compatibility/2006">
-    <mc:Choice xmlns:p159="http://schemas.microsoft.com/office/powerpoint/2015/09/main" Requires="p159">
+  <mc:AlternateContent xmlns:mc="http://schemas.openxmlformats.org/markup-compatibility/2006" xmlns:p159="http://schemas.microsoft.com/office/powerpoint/2015/09/main">
+    <mc:Choice Requires="p159">
       <p:transition spd="med">
         <p159:morph option="byObject"/>
       </p:transition>
     </mc:Choice>
-    <mc:Fallback>
+    <mc:Fallback xmlns="">
       <p:transition spd="med">
         <p:fade/>
       </p:transition>
@@ -3387,7 +3387,7 @@
           <a:p>
             <a:fld id="{2E4BA0C9-5A29-4020-9ED7-444897A61579}" type="datetimeFigureOut">
               <a:rPr lang="ru-RU" smtClean="0"/>
-              <a:t>24.04.2024</a:t>
+              <a:t>25.04.2024</a:t>
             </a:fld>
             <a:endParaRPr lang="ru-RU"/>
           </a:p>
@@ -3505,13 +3505,13 @@
     <p:sldLayoutId id="2147483659" r:id="rId11"/>
     <p:sldLayoutId id="2147483660" r:id="rId12"/>
   </p:sldLayoutIdLst>
-  <mc:AlternateContent xmlns:mc="http://schemas.openxmlformats.org/markup-compatibility/2006">
-    <mc:Choice xmlns:p159="http://schemas.microsoft.com/office/powerpoint/2015/09/main" Requires="p159">
+  <mc:AlternateContent xmlns:mc="http://schemas.openxmlformats.org/markup-compatibility/2006" xmlns:p159="http://schemas.microsoft.com/office/powerpoint/2015/09/main">
+    <mc:Choice Requires="p159">
       <p:transition spd="med">
         <p159:morph option="byObject"/>
       </p:transition>
     </mc:Choice>
-    <mc:Fallback>
+    <mc:Fallback xmlns="">
       <p:transition spd="med">
         <p:fade/>
       </p:transition>
@@ -4035,7 +4035,7 @@
           </a:ln>
           <a:extLst>
             <a:ext uri="{C572A759-6A51-4108-AA02-DFA0A04FC94B}">
-              <ma14:wrappingTextBoxFlag xmlns="" xmlns:m="http://schemas.openxmlformats.org/officeDocument/2006/math" xmlns:a14="http://schemas.microsoft.com/office/drawing/2010/main" xmlns:ma14="http://schemas.microsoft.com/office/mac/drawingml/2011/main" val="1"/>
+              <ma14:wrappingTextBoxFlag xmlns:ma14="http://schemas.microsoft.com/office/mac/drawingml/2011/main" xmlns:a14="http://schemas.microsoft.com/office/drawing/2010/main" xmlns:m="http://schemas.openxmlformats.org/officeDocument/2006/math" xmlns="" val="1"/>
             </a:ext>
           </a:extLst>
         </p:spPr>
@@ -4095,7 +4095,7 @@
           </a:ln>
           <a:extLst>
             <a:ext uri="{C572A759-6A51-4108-AA02-DFA0A04FC94B}">
-              <ma14:wrappingTextBoxFlag xmlns="" xmlns:m="http://schemas.openxmlformats.org/officeDocument/2006/math" xmlns:a14="http://schemas.microsoft.com/office/drawing/2010/main" xmlns:ma14="http://schemas.microsoft.com/office/mac/drawingml/2011/main" val="1"/>
+              <ma14:wrappingTextBoxFlag xmlns:ma14="http://schemas.microsoft.com/office/mac/drawingml/2011/main" xmlns:a14="http://schemas.microsoft.com/office/drawing/2010/main" xmlns:m="http://schemas.openxmlformats.org/officeDocument/2006/math" xmlns="" val="1"/>
             </a:ext>
           </a:extLst>
         </p:spPr>
@@ -4218,7 +4218,7 @@
           </a:ln>
           <a:extLst>
             <a:ext uri="{C572A759-6A51-4108-AA02-DFA0A04FC94B}">
-              <ma14:wrappingTextBoxFlag xmlns="" xmlns:m="http://schemas.openxmlformats.org/officeDocument/2006/math" xmlns:a14="http://schemas.microsoft.com/office/drawing/2010/main" xmlns:ma14="http://schemas.microsoft.com/office/mac/drawingml/2011/main" val="1"/>
+              <ma14:wrappingTextBoxFlag xmlns:ma14="http://schemas.microsoft.com/office/mac/drawingml/2011/main" xmlns:a14="http://schemas.microsoft.com/office/drawing/2010/main" xmlns:m="http://schemas.openxmlformats.org/officeDocument/2006/math" xmlns="" val="1"/>
             </a:ext>
           </a:extLst>
         </p:spPr>
@@ -4345,7 +4345,7 @@
           </a:ln>
           <a:extLst>
             <a:ext uri="{C572A759-6A51-4108-AA02-DFA0A04FC94B}">
-              <ma14:wrappingTextBoxFlag xmlns="" xmlns:m="http://schemas.openxmlformats.org/officeDocument/2006/math" xmlns:a14="http://schemas.microsoft.com/office/drawing/2010/main" xmlns:ma14="http://schemas.microsoft.com/office/mac/drawingml/2011/main" val="1"/>
+              <ma14:wrappingTextBoxFlag xmlns:ma14="http://schemas.microsoft.com/office/mac/drawingml/2011/main" xmlns:a14="http://schemas.microsoft.com/office/drawing/2010/main" xmlns:m="http://schemas.openxmlformats.org/officeDocument/2006/math" xmlns="" val="1"/>
             </a:ext>
           </a:extLst>
         </p:spPr>
@@ -4396,13 +4396,13 @@
   <p:clrMapOvr>
     <a:masterClrMapping/>
   </p:clrMapOvr>
-  <mc:AlternateContent xmlns:mc="http://schemas.openxmlformats.org/markup-compatibility/2006">
-    <mc:Choice xmlns:p159="http://schemas.microsoft.com/office/powerpoint/2015/09/main" Requires="p159">
+  <mc:AlternateContent xmlns:mc="http://schemas.openxmlformats.org/markup-compatibility/2006" xmlns:p159="http://schemas.microsoft.com/office/powerpoint/2015/09/main">
+    <mc:Choice Requires="p159">
       <p:transition spd="med">
         <p159:morph option="byObject"/>
       </p:transition>
     </mc:Choice>
-    <mc:Fallback>
+    <mc:Fallback xmlns="">
       <p:transition spd="med">
         <p:fade/>
       </p:transition>
@@ -4714,7 +4714,7 @@
           </a:ln>
           <a:extLst>
             <a:ext uri="{C572A759-6A51-4108-AA02-DFA0A04FC94B}">
-              <ma14:wrappingTextBoxFlag xmlns="" xmlns:m="http://schemas.openxmlformats.org/officeDocument/2006/math" xmlns:a14="http://schemas.microsoft.com/office/drawing/2010/main" xmlns:ma14="http://schemas.microsoft.com/office/mac/drawingml/2011/main" val="1"/>
+              <ma14:wrappingTextBoxFlag xmlns:ma14="http://schemas.microsoft.com/office/mac/drawingml/2011/main" xmlns:a14="http://schemas.microsoft.com/office/drawing/2010/main" xmlns:m="http://schemas.openxmlformats.org/officeDocument/2006/math" xmlns="" val="1"/>
             </a:ext>
           </a:extLst>
         </p:spPr>
@@ -5163,13 +5163,13 @@
   <p:clrMapOvr>
     <a:masterClrMapping/>
   </p:clrMapOvr>
-  <mc:AlternateContent xmlns:mc="http://schemas.openxmlformats.org/markup-compatibility/2006">
-    <mc:Choice xmlns:p159="http://schemas.microsoft.com/office/powerpoint/2015/09/main" Requires="p159">
+  <mc:AlternateContent xmlns:mc="http://schemas.openxmlformats.org/markup-compatibility/2006" xmlns:p159="http://schemas.microsoft.com/office/powerpoint/2015/09/main">
+    <mc:Choice Requires="p159">
       <p:transition spd="med">
         <p159:morph option="byObject"/>
       </p:transition>
     </mc:Choice>
-    <mc:Fallback>
+    <mc:Fallback xmlns="">
       <p:transition spd="med">
         <p:fade/>
       </p:transition>
@@ -5481,7 +5481,7 @@
           </a:ln>
           <a:extLst>
             <a:ext uri="{C572A759-6A51-4108-AA02-DFA0A04FC94B}">
-              <ma14:wrappingTextBoxFlag xmlns="" xmlns:m="http://schemas.openxmlformats.org/officeDocument/2006/math" xmlns:a14="http://schemas.microsoft.com/office/drawing/2010/main" xmlns:ma14="http://schemas.microsoft.com/office/mac/drawingml/2011/main" val="1"/>
+              <ma14:wrappingTextBoxFlag xmlns:ma14="http://schemas.microsoft.com/office/mac/drawingml/2011/main" xmlns:a14="http://schemas.microsoft.com/office/drawing/2010/main" xmlns:m="http://schemas.openxmlformats.org/officeDocument/2006/math" xmlns="" val="1"/>
             </a:ext>
           </a:extLst>
         </p:spPr>
@@ -6150,13 +6150,13 @@
   <p:clrMapOvr>
     <a:masterClrMapping/>
   </p:clrMapOvr>
-  <mc:AlternateContent xmlns:mc="http://schemas.openxmlformats.org/markup-compatibility/2006">
-    <mc:Choice xmlns:p159="http://schemas.microsoft.com/office/powerpoint/2015/09/main" Requires="p159">
+  <mc:AlternateContent xmlns:mc="http://schemas.openxmlformats.org/markup-compatibility/2006" xmlns:p159="http://schemas.microsoft.com/office/powerpoint/2015/09/main">
+    <mc:Choice Requires="p159">
       <p:transition spd="med">
         <p159:morph option="byObject"/>
       </p:transition>
     </mc:Choice>
-    <mc:Fallback>
+    <mc:Fallback xmlns="">
       <p:transition spd="med">
         <p:fade/>
       </p:transition>
@@ -6468,7 +6468,7 @@
           </a:ln>
           <a:extLst>
             <a:ext uri="{C572A759-6A51-4108-AA02-DFA0A04FC94B}">
-              <ma14:wrappingTextBoxFlag xmlns="" xmlns:m="http://schemas.openxmlformats.org/officeDocument/2006/math" xmlns:a14="http://schemas.microsoft.com/office/drawing/2010/main" xmlns:ma14="http://schemas.microsoft.com/office/mac/drawingml/2011/main" val="1"/>
+              <ma14:wrappingTextBoxFlag xmlns:ma14="http://schemas.microsoft.com/office/mac/drawingml/2011/main" xmlns:a14="http://schemas.microsoft.com/office/drawing/2010/main" xmlns:m="http://schemas.openxmlformats.org/officeDocument/2006/math" xmlns="" val="1"/>
             </a:ext>
           </a:extLst>
         </p:spPr>
@@ -7235,13 +7235,13 @@
   <p:clrMapOvr>
     <a:masterClrMapping/>
   </p:clrMapOvr>
-  <mc:AlternateContent xmlns:mc="http://schemas.openxmlformats.org/markup-compatibility/2006">
-    <mc:Choice xmlns:p159="http://schemas.microsoft.com/office/powerpoint/2015/09/main" Requires="p159">
+  <mc:AlternateContent xmlns:mc="http://schemas.openxmlformats.org/markup-compatibility/2006" xmlns:p159="http://schemas.microsoft.com/office/powerpoint/2015/09/main">
+    <mc:Choice Requires="p159">
       <p:transition spd="med">
         <p159:morph option="byObject"/>
       </p:transition>
     </mc:Choice>
-    <mc:Fallback>
+    <mc:Fallback xmlns="">
       <p:transition spd="med">
         <p:fade/>
       </p:transition>
@@ -7553,7 +7553,7 @@
           </a:ln>
           <a:extLst>
             <a:ext uri="{C572A759-6A51-4108-AA02-DFA0A04FC94B}">
-              <ma14:wrappingTextBoxFlag xmlns="" xmlns:m="http://schemas.openxmlformats.org/officeDocument/2006/math" xmlns:a14="http://schemas.microsoft.com/office/drawing/2010/main" xmlns:ma14="http://schemas.microsoft.com/office/mac/drawingml/2011/main" val="1"/>
+              <ma14:wrappingTextBoxFlag xmlns:ma14="http://schemas.microsoft.com/office/mac/drawingml/2011/main" xmlns:a14="http://schemas.microsoft.com/office/drawing/2010/main" xmlns:m="http://schemas.openxmlformats.org/officeDocument/2006/math" xmlns="" val="1"/>
             </a:ext>
           </a:extLst>
         </p:spPr>
@@ -8334,13 +8334,13 @@
   <p:clrMapOvr>
     <a:masterClrMapping/>
   </p:clrMapOvr>
-  <mc:AlternateContent xmlns:mc="http://schemas.openxmlformats.org/markup-compatibility/2006">
-    <mc:Choice xmlns:p159="http://schemas.microsoft.com/office/powerpoint/2015/09/main" Requires="p159">
+  <mc:AlternateContent xmlns:mc="http://schemas.openxmlformats.org/markup-compatibility/2006" xmlns:p159="http://schemas.microsoft.com/office/powerpoint/2015/09/main">
+    <mc:Choice Requires="p159">
       <p:transition spd="med">
         <p159:morph option="byObject"/>
       </p:transition>
     </mc:Choice>
-    <mc:Fallback>
+    <mc:Fallback xmlns="">
       <p:transition spd="med">
         <p:fade/>
       </p:transition>
@@ -8652,7 +8652,7 @@
           </a:ln>
           <a:extLst>
             <a:ext uri="{C572A759-6A51-4108-AA02-DFA0A04FC94B}">
-              <ma14:wrappingTextBoxFlag xmlns="" xmlns:m="http://schemas.openxmlformats.org/officeDocument/2006/math" xmlns:a14="http://schemas.microsoft.com/office/drawing/2010/main" xmlns:ma14="http://schemas.microsoft.com/office/mac/drawingml/2011/main" val="1"/>
+              <ma14:wrappingTextBoxFlag xmlns:ma14="http://schemas.microsoft.com/office/mac/drawingml/2011/main" xmlns:a14="http://schemas.microsoft.com/office/drawing/2010/main" xmlns:m="http://schemas.openxmlformats.org/officeDocument/2006/math" xmlns="" val="1"/>
             </a:ext>
           </a:extLst>
         </p:spPr>
@@ -9475,13 +9475,13 @@
   <p:clrMapOvr>
     <a:masterClrMapping/>
   </p:clrMapOvr>
-  <mc:AlternateContent xmlns:mc="http://schemas.openxmlformats.org/markup-compatibility/2006">
-    <mc:Choice xmlns:p159="http://schemas.microsoft.com/office/powerpoint/2015/09/main" Requires="p159">
+  <mc:AlternateContent xmlns:mc="http://schemas.openxmlformats.org/markup-compatibility/2006" xmlns:p159="http://schemas.microsoft.com/office/powerpoint/2015/09/main">
+    <mc:Choice Requires="p159">
       <p:transition spd="med">
         <p159:morph option="byObject"/>
       </p:transition>
     </mc:Choice>
-    <mc:Fallback>
+    <mc:Fallback xmlns="">
       <p:transition spd="med">
         <p:fade/>
       </p:transition>
@@ -9793,7 +9793,7 @@
           </a:ln>
           <a:extLst>
             <a:ext uri="{C572A759-6A51-4108-AA02-DFA0A04FC94B}">
-              <ma14:wrappingTextBoxFlag xmlns="" xmlns:m="http://schemas.openxmlformats.org/officeDocument/2006/math" xmlns:a14="http://schemas.microsoft.com/office/drawing/2010/main" xmlns:ma14="http://schemas.microsoft.com/office/mac/drawingml/2011/main" val="1"/>
+              <ma14:wrappingTextBoxFlag xmlns:ma14="http://schemas.microsoft.com/office/mac/drawingml/2011/main" xmlns:a14="http://schemas.microsoft.com/office/drawing/2010/main" xmlns:m="http://schemas.openxmlformats.org/officeDocument/2006/math" xmlns="" val="1"/>
             </a:ext>
           </a:extLst>
         </p:spPr>
@@ -12191,13 +12191,13 @@
   <p:clrMapOvr>
     <a:masterClrMapping/>
   </p:clrMapOvr>
-  <mc:AlternateContent xmlns:mc="http://schemas.openxmlformats.org/markup-compatibility/2006">
-    <mc:Choice xmlns:p159="http://schemas.microsoft.com/office/powerpoint/2015/09/main" Requires="p159">
+  <mc:AlternateContent xmlns:mc="http://schemas.openxmlformats.org/markup-compatibility/2006" xmlns:p159="http://schemas.microsoft.com/office/powerpoint/2015/09/main">
+    <mc:Choice Requires="p159">
       <p:transition spd="med">
         <p159:morph option="byObject"/>
       </p:transition>
     </mc:Choice>
-    <mc:Fallback>
+    <mc:Fallback xmlns="">
       <p:transition spd="med">
         <p:fade/>
       </p:transition>
@@ -12509,7 +12509,7 @@
           </a:ln>
           <a:extLst>
             <a:ext uri="{C572A759-6A51-4108-AA02-DFA0A04FC94B}">
-              <ma14:wrappingTextBoxFlag xmlns="" xmlns:m="http://schemas.openxmlformats.org/officeDocument/2006/math" xmlns:a14="http://schemas.microsoft.com/office/drawing/2010/main" xmlns:ma14="http://schemas.microsoft.com/office/mac/drawingml/2011/main" val="1"/>
+              <ma14:wrappingTextBoxFlag xmlns:ma14="http://schemas.microsoft.com/office/mac/drawingml/2011/main" xmlns:a14="http://schemas.microsoft.com/office/drawing/2010/main" xmlns:m="http://schemas.openxmlformats.org/officeDocument/2006/math" xmlns="" val="1"/>
             </a:ext>
           </a:extLst>
         </p:spPr>
@@ -14534,7 +14534,7 @@
           </a:ln>
           <a:extLst>
             <a:ext uri="{C572A759-6A51-4108-AA02-DFA0A04FC94B}">
-              <ma14:wrappingTextBoxFlag xmlns="" xmlns:m="http://schemas.openxmlformats.org/officeDocument/2006/math" xmlns:a14="http://schemas.microsoft.com/office/drawing/2010/main" xmlns:ma14="http://schemas.microsoft.com/office/mac/drawingml/2011/main" val="1"/>
+              <ma14:wrappingTextBoxFlag xmlns:ma14="http://schemas.microsoft.com/office/mac/drawingml/2011/main" xmlns:a14="http://schemas.microsoft.com/office/drawing/2010/main" xmlns:m="http://schemas.openxmlformats.org/officeDocument/2006/math" xmlns="" val="1"/>
             </a:ext>
           </a:extLst>
         </p:spPr>
@@ -14629,6 +14629,80 @@
           </a:p>
         </p:txBody>
       </p:sp>
+      <p:sp>
+        <p:nvSpPr>
+          <p:cNvPr id="2" name="TextBox 1">
+            <a:extLst>
+              <a:ext uri="{FF2B5EF4-FFF2-40B4-BE49-F238E27FC236}">
+                <a16:creationId xmlns:a16="http://schemas.microsoft.com/office/drawing/2014/main" id="{975EF031-1AE9-8158-BEBC-996D1C87B56F}"/>
+              </a:ext>
+            </a:extLst>
+          </p:cNvPr>
+          <p:cNvSpPr txBox="1"/>
+          <p:nvPr/>
+        </p:nvSpPr>
+        <p:spPr>
+          <a:xfrm>
+            <a:off x="619432" y="1788840"/>
+            <a:ext cx="10743813" cy="707886"/>
+          </a:xfrm>
+          <a:prstGeom prst="rect">
+            <a:avLst/>
+          </a:prstGeom>
+          <a:noFill/>
+        </p:spPr>
+        <p:txBody>
+          <a:bodyPr wrap="square" rtlCol="0">
+            <a:spAutoFit/>
+          </a:bodyPr>
+          <a:lstStyle/>
+          <a:p>
+            <a:pPr algn="just"/>
+            <a:r>
+              <a:rPr lang="ru-RU" sz="2000" dirty="0">
+                <a:latin typeface="Beeline Sans" panose="020B0500040202020204" pitchFamily="34" charset="-52"/>
+              </a:rPr>
+              <a:t>Таким образом, мы можем получить топ 10 рекомендаций, используя нашу наилучшую по показателям качества модель, которая включает в себя рейтинг сотрудника и иные признаки.</a:t>
+            </a:r>
+          </a:p>
+        </p:txBody>
+      </p:sp>
+      <p:pic>
+        <p:nvPicPr>
+          <p:cNvPr id="12" name="Рисунок 11" descr="Изображение выглядит как текст, снимок экрана, Шрифт, число&#10;&#10;Автоматически созданное описание">
+            <a:extLst>
+              <a:ext uri="{FF2B5EF4-FFF2-40B4-BE49-F238E27FC236}">
+                <a16:creationId xmlns:a16="http://schemas.microsoft.com/office/drawing/2014/main" id="{9D48DD1E-74B6-9AE8-E58B-03E2D1B03B13}"/>
+              </a:ext>
+            </a:extLst>
+          </p:cNvPr>
+          <p:cNvPicPr>
+            <a:picLocks noChangeAspect="1"/>
+          </p:cNvPicPr>
+          <p:nvPr/>
+        </p:nvPicPr>
+        <p:blipFill>
+          <a:blip r:embed="rId2">
+            <a:extLst>
+              <a:ext uri="{28A0092B-C50C-407E-A947-70E740481C1C}">
+                <a14:useLocalDpi xmlns:a14="http://schemas.microsoft.com/office/drawing/2010/main" val="0"/>
+              </a:ext>
+            </a:extLst>
+          </a:blip>
+          <a:stretch>
+            <a:fillRect/>
+          </a:stretch>
+        </p:blipFill>
+        <p:spPr>
+          <a:xfrm>
+            <a:off x="2925096" y="2628779"/>
+            <a:ext cx="6464762" cy="3652735"/>
+          </a:xfrm>
+          <a:prstGeom prst="rect">
+            <a:avLst/>
+          </a:prstGeom>
+        </p:spPr>
+      </p:pic>
     </p:spTree>
     <p:extLst>
       <p:ext uri="{BB962C8B-B14F-4D97-AF65-F5344CB8AC3E}">
@@ -14639,13 +14713,13 @@
   <p:clrMapOvr>
     <a:masterClrMapping/>
   </p:clrMapOvr>
-  <mc:AlternateContent xmlns:mc="http://schemas.openxmlformats.org/markup-compatibility/2006">
-    <mc:Choice xmlns:p159="http://schemas.microsoft.com/office/powerpoint/2015/09/main" Requires="p159">
+  <mc:AlternateContent xmlns:mc="http://schemas.openxmlformats.org/markup-compatibility/2006" xmlns:p159="http://schemas.microsoft.com/office/powerpoint/2015/09/main">
+    <mc:Choice Requires="p159">
       <p:transition spd="med">
         <p159:morph option="byObject"/>
       </p:transition>
     </mc:Choice>
-    <mc:Fallback>
+    <mc:Fallback xmlns="">
       <p:transition spd="med">
         <p:fade/>
       </p:transition>
@@ -15062,7 +15136,7 @@
           </a:ln>
           <a:extLst>
             <a:ext uri="{C572A759-6A51-4108-AA02-DFA0A04FC94B}">
-              <ma14:wrappingTextBoxFlag xmlns="" xmlns:m="http://schemas.openxmlformats.org/officeDocument/2006/math" xmlns:a14="http://schemas.microsoft.com/office/drawing/2010/main" xmlns:ma14="http://schemas.microsoft.com/office/mac/drawingml/2011/main" val="1"/>
+              <ma14:wrappingTextBoxFlag xmlns:ma14="http://schemas.microsoft.com/office/mac/drawingml/2011/main" xmlns:a14="http://schemas.microsoft.com/office/drawing/2010/main" xmlns:m="http://schemas.openxmlformats.org/officeDocument/2006/math" xmlns="" val="1"/>
             </a:ext>
           </a:extLst>
         </p:spPr>
@@ -15176,13 +15250,13 @@
   <p:clrMapOvr>
     <a:masterClrMapping/>
   </p:clrMapOvr>
-  <mc:AlternateContent xmlns:mc="http://schemas.openxmlformats.org/markup-compatibility/2006">
-    <mc:Choice xmlns:p159="http://schemas.microsoft.com/office/powerpoint/2015/09/main" Requires="p159">
+  <mc:AlternateContent xmlns:mc="http://schemas.openxmlformats.org/markup-compatibility/2006" xmlns:p159="http://schemas.microsoft.com/office/powerpoint/2015/09/main">
+    <mc:Choice Requires="p159">
       <p:transition spd="med">
         <p159:morph option="byObject"/>
       </p:transition>
     </mc:Choice>
-    <mc:Fallback>
+    <mc:Fallback xmlns="">
       <p:transition spd="med">
         <p:fade/>
       </p:transition>
@@ -15426,7 +15500,7 @@
           </a:ln>
           <a:extLst>
             <a:ext uri="{C572A759-6A51-4108-AA02-DFA0A04FC94B}">
-              <ma14:wrappingTextBoxFlag xmlns="" xmlns:m="http://schemas.openxmlformats.org/officeDocument/2006/math" xmlns:a14="http://schemas.microsoft.com/office/drawing/2010/main" xmlns:ma14="http://schemas.microsoft.com/office/mac/drawingml/2011/main" val="1"/>
+              <ma14:wrappingTextBoxFlag xmlns:ma14="http://schemas.microsoft.com/office/mac/drawingml/2011/main" xmlns:a14="http://schemas.microsoft.com/office/drawing/2010/main" xmlns:m="http://schemas.openxmlformats.org/officeDocument/2006/math" xmlns="" val="1"/>
             </a:ext>
           </a:extLst>
         </p:spPr>
@@ -15492,7 +15566,7 @@
           </a:ln>
           <a:extLst>
             <a:ext uri="{C572A759-6A51-4108-AA02-DFA0A04FC94B}">
-              <ma14:wrappingTextBoxFlag xmlns="" xmlns:m="http://schemas.openxmlformats.org/officeDocument/2006/math" xmlns:a14="http://schemas.microsoft.com/office/drawing/2010/main" xmlns:ma14="http://schemas.microsoft.com/office/mac/drawingml/2011/main" val="1"/>
+              <ma14:wrappingTextBoxFlag xmlns:ma14="http://schemas.microsoft.com/office/mac/drawingml/2011/main" xmlns:a14="http://schemas.microsoft.com/office/drawing/2010/main" xmlns:m="http://schemas.openxmlformats.org/officeDocument/2006/math" xmlns="" val="1"/>
             </a:ext>
           </a:extLst>
         </p:spPr>
@@ -15713,13 +15787,13 @@
   <p:clrMapOvr>
     <a:masterClrMapping/>
   </p:clrMapOvr>
-  <mc:AlternateContent xmlns:mc="http://schemas.openxmlformats.org/markup-compatibility/2006">
-    <mc:Choice xmlns:p159="http://schemas.microsoft.com/office/powerpoint/2015/09/main" Requires="p159">
+  <mc:AlternateContent xmlns:mc="http://schemas.openxmlformats.org/markup-compatibility/2006" xmlns:p159="http://schemas.microsoft.com/office/powerpoint/2015/09/main">
+    <mc:Choice Requires="p159">
       <p:transition spd="med">
         <p159:morph option="byObject"/>
       </p:transition>
     </mc:Choice>
-    <mc:Fallback>
+    <mc:Fallback xmlns="">
       <p:transition spd="med">
         <p:fade/>
       </p:transition>
@@ -15977,7 +16051,7 @@
           </a:ln>
           <a:extLst>
             <a:ext uri="{C572A759-6A51-4108-AA02-DFA0A04FC94B}">
-              <ma14:wrappingTextBoxFlag xmlns="" xmlns:m="http://schemas.openxmlformats.org/officeDocument/2006/math" xmlns:a14="http://schemas.microsoft.com/office/drawing/2010/main" xmlns:ma14="http://schemas.microsoft.com/office/mac/drawingml/2011/main" val="1"/>
+              <ma14:wrappingTextBoxFlag xmlns:ma14="http://schemas.microsoft.com/office/mac/drawingml/2011/main" xmlns:a14="http://schemas.microsoft.com/office/drawing/2010/main" xmlns:m="http://schemas.openxmlformats.org/officeDocument/2006/math" xmlns="" val="1"/>
             </a:ext>
           </a:extLst>
         </p:spPr>
@@ -16081,7 +16155,7 @@
               <a:rPr lang="ru-RU" sz="2400" dirty="0">
                 <a:latin typeface="Beeline Sans" panose="020B0500040202020204" pitchFamily="34" charset="-52"/>
               </a:rPr>
-              <a:t> возникает вопрос, а какие курсы сильнее всего влияют на рабочие показатели сотрудников в колл-центре</a:t>
+              <a:t> возникает вопрос, а какие курсы сильнее всего влияют на рабочие показатели сотрудников в колл-центре.</a:t>
             </a:r>
           </a:p>
         </p:txBody>
@@ -16215,7 +16289,7 @@
           </a:ln>
           <a:extLst>
             <a:ext uri="{C572A759-6A51-4108-AA02-DFA0A04FC94B}">
-              <ma14:wrappingTextBoxFlag xmlns="" xmlns:m="http://schemas.openxmlformats.org/officeDocument/2006/math" xmlns:a14="http://schemas.microsoft.com/office/drawing/2010/main" xmlns:ma14="http://schemas.microsoft.com/office/mac/drawingml/2011/main" val="1"/>
+              <ma14:wrappingTextBoxFlag xmlns:ma14="http://schemas.microsoft.com/office/mac/drawingml/2011/main" xmlns:a14="http://schemas.microsoft.com/office/drawing/2010/main" xmlns:m="http://schemas.openxmlformats.org/officeDocument/2006/math" xmlns="" val="1"/>
             </a:ext>
           </a:extLst>
         </p:spPr>
@@ -16272,13 +16346,13 @@
   <p:clrMapOvr>
     <a:masterClrMapping/>
   </p:clrMapOvr>
-  <mc:AlternateContent xmlns:mc="http://schemas.openxmlformats.org/markup-compatibility/2006">
-    <mc:Choice xmlns:p159="http://schemas.microsoft.com/office/powerpoint/2015/09/main" Requires="p159">
+  <mc:AlternateContent xmlns:mc="http://schemas.openxmlformats.org/markup-compatibility/2006" xmlns:p159="http://schemas.microsoft.com/office/powerpoint/2015/09/main">
+    <mc:Choice Requires="p159">
       <p:transition spd="med">
         <p159:morph option="byObject"/>
       </p:transition>
     </mc:Choice>
-    <mc:Fallback>
+    <mc:Fallback xmlns="">
       <p:transition spd="med">
         <p:fade/>
       </p:transition>
@@ -16784,7 +16858,7 @@
           </a:ln>
           <a:extLst>
             <a:ext uri="{C572A759-6A51-4108-AA02-DFA0A04FC94B}">
-              <ma14:wrappingTextBoxFlag xmlns="" xmlns:m="http://schemas.openxmlformats.org/officeDocument/2006/math" xmlns:a14="http://schemas.microsoft.com/office/drawing/2010/main" xmlns:ma14="http://schemas.microsoft.com/office/mac/drawingml/2011/main" val="1"/>
+              <ma14:wrappingTextBoxFlag xmlns:ma14="http://schemas.microsoft.com/office/mac/drawingml/2011/main" xmlns:a14="http://schemas.microsoft.com/office/drawing/2010/main" xmlns:m="http://schemas.openxmlformats.org/officeDocument/2006/math" xmlns="" val="1"/>
             </a:ext>
           </a:extLst>
         </p:spPr>
@@ -17022,7 +17096,7 @@
           </a:ln>
           <a:extLst>
             <a:ext uri="{C572A759-6A51-4108-AA02-DFA0A04FC94B}">
-              <ma14:wrappingTextBoxFlag xmlns="" xmlns:m="http://schemas.openxmlformats.org/officeDocument/2006/math" xmlns:a14="http://schemas.microsoft.com/office/drawing/2010/main" xmlns:ma14="http://schemas.microsoft.com/office/mac/drawingml/2011/main" val="1"/>
+              <ma14:wrappingTextBoxFlag xmlns:ma14="http://schemas.microsoft.com/office/mac/drawingml/2011/main" xmlns:a14="http://schemas.microsoft.com/office/drawing/2010/main" xmlns:m="http://schemas.openxmlformats.org/officeDocument/2006/math" xmlns="" val="1"/>
             </a:ext>
           </a:extLst>
         </p:spPr>
@@ -17148,7 +17222,7 @@
           </a:ln>
           <a:extLst>
             <a:ext uri="{C572A759-6A51-4108-AA02-DFA0A04FC94B}">
-              <ma14:wrappingTextBoxFlag xmlns="" xmlns:m="http://schemas.openxmlformats.org/officeDocument/2006/math" xmlns:a14="http://schemas.microsoft.com/office/drawing/2010/main" xmlns:ma14="http://schemas.microsoft.com/office/mac/drawingml/2011/main" val="1"/>
+              <ma14:wrappingTextBoxFlag xmlns:ma14="http://schemas.microsoft.com/office/mac/drawingml/2011/main" xmlns:a14="http://schemas.microsoft.com/office/drawing/2010/main" xmlns:m="http://schemas.openxmlformats.org/officeDocument/2006/math" xmlns="" val="1"/>
             </a:ext>
           </a:extLst>
         </p:spPr>
@@ -17827,13 +17901,13 @@
   <p:clrMapOvr>
     <a:masterClrMapping/>
   </p:clrMapOvr>
-  <mc:AlternateContent xmlns:mc="http://schemas.openxmlformats.org/markup-compatibility/2006">
-    <mc:Choice xmlns:p159="http://schemas.microsoft.com/office/powerpoint/2015/09/main" Requires="p159">
+  <mc:AlternateContent xmlns:mc="http://schemas.openxmlformats.org/markup-compatibility/2006" xmlns:p159="http://schemas.microsoft.com/office/powerpoint/2015/09/main">
+    <mc:Choice Requires="p159">
       <p:transition spd="med">
         <p159:morph option="byObject"/>
       </p:transition>
     </mc:Choice>
-    <mc:Fallback>
+    <mc:Fallback xmlns="">
       <p:transition spd="med">
         <p:fade/>
       </p:transition>
@@ -17990,7 +18064,7 @@
           </a:ln>
           <a:extLst>
             <a:ext uri="{C572A759-6A51-4108-AA02-DFA0A04FC94B}">
-              <ma14:wrappingTextBoxFlag xmlns="" xmlns:m="http://schemas.openxmlformats.org/officeDocument/2006/math" xmlns:a14="http://schemas.microsoft.com/office/drawing/2010/main" xmlns:ma14="http://schemas.microsoft.com/office/mac/drawingml/2011/main" val="1"/>
+              <ma14:wrappingTextBoxFlag xmlns:ma14="http://schemas.microsoft.com/office/mac/drawingml/2011/main" xmlns:a14="http://schemas.microsoft.com/office/drawing/2010/main" xmlns:m="http://schemas.openxmlformats.org/officeDocument/2006/math" xmlns="" val="1"/>
             </a:ext>
           </a:extLst>
         </p:spPr>
@@ -19046,13 +19120,13 @@
   <p:clrMapOvr>
     <a:masterClrMapping/>
   </p:clrMapOvr>
-  <mc:AlternateContent xmlns:mc="http://schemas.openxmlformats.org/markup-compatibility/2006">
-    <mc:Choice xmlns:p159="http://schemas.microsoft.com/office/powerpoint/2015/09/main" Requires="p159">
+  <mc:AlternateContent xmlns:mc="http://schemas.openxmlformats.org/markup-compatibility/2006" xmlns:p159="http://schemas.microsoft.com/office/powerpoint/2015/09/main">
+    <mc:Choice Requires="p159">
       <p:transition spd="med">
         <p159:morph option="byObject"/>
       </p:transition>
     </mc:Choice>
-    <mc:Fallback>
+    <mc:Fallback xmlns="">
       <p:transition spd="med">
         <p:fade/>
       </p:transition>
@@ -19209,7 +19283,7 @@
           </a:ln>
           <a:extLst>
             <a:ext uri="{C572A759-6A51-4108-AA02-DFA0A04FC94B}">
-              <ma14:wrappingTextBoxFlag xmlns="" xmlns:m="http://schemas.openxmlformats.org/officeDocument/2006/math" xmlns:a14="http://schemas.microsoft.com/office/drawing/2010/main" xmlns:ma14="http://schemas.microsoft.com/office/mac/drawingml/2011/main" val="1"/>
+              <ma14:wrappingTextBoxFlag xmlns:ma14="http://schemas.microsoft.com/office/mac/drawingml/2011/main" xmlns:a14="http://schemas.microsoft.com/office/drawing/2010/main" xmlns:m="http://schemas.openxmlformats.org/officeDocument/2006/math" xmlns="" val="1"/>
             </a:ext>
           </a:extLst>
         </p:spPr>
@@ -19788,7 +19862,7 @@
           </a:ln>
           <a:extLst>
             <a:ext uri="{C572A759-6A51-4108-AA02-DFA0A04FC94B}">
-              <ma14:wrappingTextBoxFlag xmlns="" xmlns:m="http://schemas.openxmlformats.org/officeDocument/2006/math" xmlns:a14="http://schemas.microsoft.com/office/drawing/2010/main" xmlns:ma14="http://schemas.microsoft.com/office/mac/drawingml/2011/main" val="1"/>
+              <ma14:wrappingTextBoxFlag xmlns:ma14="http://schemas.microsoft.com/office/mac/drawingml/2011/main" xmlns:a14="http://schemas.microsoft.com/office/drawing/2010/main" xmlns:m="http://schemas.openxmlformats.org/officeDocument/2006/math" xmlns="" val="1"/>
             </a:ext>
           </a:extLst>
         </p:spPr>
@@ -19907,13 +19981,13 @@
   <p:clrMapOvr>
     <a:masterClrMapping/>
   </p:clrMapOvr>
-  <mc:AlternateContent xmlns:mc="http://schemas.openxmlformats.org/markup-compatibility/2006">
-    <mc:Choice xmlns:p159="http://schemas.microsoft.com/office/powerpoint/2015/09/main" Requires="p159">
+  <mc:AlternateContent xmlns:mc="http://schemas.openxmlformats.org/markup-compatibility/2006" xmlns:p159="http://schemas.microsoft.com/office/powerpoint/2015/09/main">
+    <mc:Choice Requires="p159">
       <p:transition spd="med">
         <p159:morph option="byObject"/>
       </p:transition>
     </mc:Choice>
-    <mc:Fallback>
+    <mc:Fallback xmlns="">
       <p:transition spd="med">
         <p:fade/>
       </p:transition>
@@ -20132,7 +20206,7 @@
           </a:ln>
           <a:extLst>
             <a:ext uri="{C572A759-6A51-4108-AA02-DFA0A04FC94B}">
-              <ma14:wrappingTextBoxFlag xmlns="" xmlns:m="http://schemas.openxmlformats.org/officeDocument/2006/math" xmlns:a14="http://schemas.microsoft.com/office/drawing/2010/main" xmlns:ma14="http://schemas.microsoft.com/office/mac/drawingml/2011/main" val="1"/>
+              <ma14:wrappingTextBoxFlag xmlns:ma14="http://schemas.microsoft.com/office/mac/drawingml/2011/main" xmlns:a14="http://schemas.microsoft.com/office/drawing/2010/main" xmlns:m="http://schemas.openxmlformats.org/officeDocument/2006/math" xmlns="" val="1"/>
             </a:ext>
           </a:extLst>
         </p:spPr>
@@ -20334,7 +20408,7 @@
           </a:ln>
           <a:extLst>
             <a:ext uri="{C572A759-6A51-4108-AA02-DFA0A04FC94B}">
-              <ma14:wrappingTextBoxFlag xmlns="" xmlns:m="http://schemas.openxmlformats.org/officeDocument/2006/math" xmlns:a14="http://schemas.microsoft.com/office/drawing/2010/main" xmlns:ma14="http://schemas.microsoft.com/office/mac/drawingml/2011/main" val="1"/>
+              <ma14:wrappingTextBoxFlag xmlns:ma14="http://schemas.microsoft.com/office/mac/drawingml/2011/main" xmlns:a14="http://schemas.microsoft.com/office/drawing/2010/main" xmlns:m="http://schemas.openxmlformats.org/officeDocument/2006/math" xmlns="" val="1"/>
             </a:ext>
           </a:extLst>
         </p:spPr>
@@ -20406,7 +20480,7 @@
           </a:ln>
           <a:extLst>
             <a:ext uri="{C572A759-6A51-4108-AA02-DFA0A04FC94B}">
-              <ma14:wrappingTextBoxFlag xmlns="" xmlns:m="http://schemas.openxmlformats.org/officeDocument/2006/math" xmlns:a14="http://schemas.microsoft.com/office/drawing/2010/main" xmlns:ma14="http://schemas.microsoft.com/office/mac/drawingml/2011/main" val="1"/>
+              <ma14:wrappingTextBoxFlag xmlns:ma14="http://schemas.microsoft.com/office/mac/drawingml/2011/main" xmlns:a14="http://schemas.microsoft.com/office/drawing/2010/main" xmlns:m="http://schemas.openxmlformats.org/officeDocument/2006/math" xmlns="" val="1"/>
             </a:ext>
           </a:extLst>
         </p:spPr>
@@ -20509,13 +20583,13 @@
   <p:clrMapOvr>
     <a:masterClrMapping/>
   </p:clrMapOvr>
-  <mc:AlternateContent xmlns:mc="http://schemas.openxmlformats.org/markup-compatibility/2006">
-    <mc:Choice xmlns:p159="http://schemas.microsoft.com/office/powerpoint/2015/09/main" Requires="p159">
+  <mc:AlternateContent xmlns:mc="http://schemas.openxmlformats.org/markup-compatibility/2006" xmlns:p159="http://schemas.microsoft.com/office/powerpoint/2015/09/main">
+    <mc:Choice Requires="p159">
       <p:transition spd="med">
         <p159:morph option="byObject"/>
       </p:transition>
     </mc:Choice>
-    <mc:Fallback>
+    <mc:Fallback xmlns="">
       <p:transition spd="med">
         <p:fade/>
       </p:transition>
@@ -20810,7 +20884,7 @@
           </a:ln>
           <a:extLst>
             <a:ext uri="{C572A759-6A51-4108-AA02-DFA0A04FC94B}">
-              <ma14:wrappingTextBoxFlag xmlns="" xmlns:m="http://schemas.openxmlformats.org/officeDocument/2006/math" xmlns:a14="http://schemas.microsoft.com/office/drawing/2010/main" xmlns:ma14="http://schemas.microsoft.com/office/mac/drawingml/2011/main" val="1"/>
+              <ma14:wrappingTextBoxFlag xmlns:ma14="http://schemas.microsoft.com/office/mac/drawingml/2011/main" xmlns:a14="http://schemas.microsoft.com/office/drawing/2010/main" xmlns:m="http://schemas.openxmlformats.org/officeDocument/2006/math" xmlns="" val="1"/>
             </a:ext>
           </a:extLst>
         </p:spPr>
@@ -21018,13 +21092,13 @@
   <p:clrMapOvr>
     <a:masterClrMapping/>
   </p:clrMapOvr>
-  <mc:AlternateContent xmlns:mc="http://schemas.openxmlformats.org/markup-compatibility/2006">
-    <mc:Choice xmlns:p159="http://schemas.microsoft.com/office/powerpoint/2015/09/main" Requires="p159">
+  <mc:AlternateContent xmlns:mc="http://schemas.openxmlformats.org/markup-compatibility/2006" xmlns:p159="http://schemas.microsoft.com/office/powerpoint/2015/09/main">
+    <mc:Choice Requires="p159">
       <p:transition spd="med">
         <p159:morph option="byObject"/>
       </p:transition>
     </mc:Choice>
-    <mc:Fallback>
+    <mc:Fallback xmlns="">
       <p:transition spd="med">
         <p:fade/>
       </p:transition>
@@ -21319,7 +21393,7 @@
           </a:ln>
           <a:extLst>
             <a:ext uri="{C572A759-6A51-4108-AA02-DFA0A04FC94B}">
-              <ma14:wrappingTextBoxFlag xmlns="" xmlns:m="http://schemas.openxmlformats.org/officeDocument/2006/math" xmlns:a14="http://schemas.microsoft.com/office/drawing/2010/main" xmlns:ma14="http://schemas.microsoft.com/office/mac/drawingml/2011/main" val="1"/>
+              <ma14:wrappingTextBoxFlag xmlns:ma14="http://schemas.microsoft.com/office/mac/drawingml/2011/main" xmlns:a14="http://schemas.microsoft.com/office/drawing/2010/main" xmlns:m="http://schemas.openxmlformats.org/officeDocument/2006/math" xmlns="" val="1"/>
             </a:ext>
           </a:extLst>
         </p:spPr>
@@ -21651,13 +21725,13 @@
   <p:clrMapOvr>
     <a:masterClrMapping/>
   </p:clrMapOvr>
-  <mc:AlternateContent xmlns:mc="http://schemas.openxmlformats.org/markup-compatibility/2006">
-    <mc:Choice xmlns:p159="http://schemas.microsoft.com/office/powerpoint/2015/09/main" Requires="p159">
+  <mc:AlternateContent xmlns:mc="http://schemas.openxmlformats.org/markup-compatibility/2006" xmlns:p159="http://schemas.microsoft.com/office/powerpoint/2015/09/main">
+    <mc:Choice Requires="p159">
       <p:transition spd="med">
         <p159:morph option="byObject"/>
       </p:transition>
     </mc:Choice>
-    <mc:Fallback>
+    <mc:Fallback xmlns="">
       <p:transition spd="med">
         <p:fade/>
       </p:transition>
